--- a/Communicatie/Communicatie 4/NL/Betoog/betoog_NL_4.pptx
+++ b/Communicatie/Communicatie 4/NL/Betoog/betoog_NL_4.pptx
@@ -235,7 +235,7 @@
             <a:pPr rtl="0"/>
             <a:fld id="{EE5CD81F-CA22-4960-A46B-6B60CC91D41C}" type="datetime1">
               <a:rPr lang="nl-NL" smtClean="0"/>
-              <a:t>19-10-2022</a:t>
+              <a:t>8-11-2022</a:t>
             </a:fld>
             <a:endParaRPr lang="nl-NL"/>
           </a:p>
@@ -417,7 +417,7 @@
             <a:pPr rtl="0"/>
             <a:fld id="{0018A27D-A157-4763-AE95-B66FBCD122D3}" type="datetime1">
               <a:rPr lang="nl-NL" noProof="0" smtClean="0"/>
-              <a:t>19-10-2022</a:t>
+              <a:t>8-11-2022</a:t>
             </a:fld>
             <a:endParaRPr lang="nl-NL" noProof="0"/>
           </a:p>
@@ -907,7 +907,7 @@
             <a:pPr rtl="0"/>
             <a:fld id="{0018A27D-A157-4763-AE95-B66FBCD122D3}" type="datetime1">
               <a:rPr lang="nl-NL" noProof="0" smtClean="0"/>
-              <a:t>19-10-2022</a:t>
+              <a:t>8-11-2022</a:t>
             </a:fld>
             <a:endParaRPr lang="nl-NL" noProof="0"/>
           </a:p>
@@ -1199,7 +1199,7 @@
             <a:pPr rtl="0"/>
             <a:fld id="{3779B7A0-8BAF-463A-897D-62B6EB6EE6FE}" type="datetime1">
               <a:rPr lang="nl-NL" smtClean="0"/>
-              <a:t>19-10-2022</a:t>
+              <a:t>8-11-2022</a:t>
             </a:fld>
             <a:endParaRPr lang="nl-NL" dirty="0"/>
           </a:p>
@@ -1482,7 +1482,7 @@
             <a:pPr rtl="0"/>
             <a:fld id="{3779B7A0-8BAF-463A-897D-62B6EB6EE6FE}" type="datetime1">
               <a:rPr lang="nl-NL" smtClean="0"/>
-              <a:t>19-10-2022</a:t>
+              <a:t>8-11-2022</a:t>
             </a:fld>
             <a:endParaRPr lang="nl-NL" dirty="0"/>
           </a:p>
@@ -1703,7 +1703,7 @@
             <a:pPr rtl="0"/>
             <a:fld id="{3779B7A0-8BAF-463A-897D-62B6EB6EE6FE}" type="datetime1">
               <a:rPr lang="nl-NL" smtClean="0"/>
-              <a:t>19-10-2022</a:t>
+              <a:t>8-11-2022</a:t>
             </a:fld>
             <a:endParaRPr lang="nl-NL" dirty="0"/>
           </a:p>
@@ -1819,7 +1819,7 @@
             <a:pPr rtl="0"/>
             <a:fld id="{3779B7A0-8BAF-463A-897D-62B6EB6EE6FE}" type="datetime1">
               <a:rPr lang="nl-NL" smtClean="0"/>
-              <a:t>19-10-2022</a:t>
+              <a:t>8-11-2022</a:t>
             </a:fld>
             <a:endParaRPr lang="nl-NL" dirty="0"/>
           </a:p>
@@ -2087,7 +2087,7 @@
             <a:pPr rtl="0"/>
             <a:fld id="{9D32C6DB-0FA2-4A27-8A6A-2888402DAEA5}" type="datetime1">
               <a:rPr lang="nl-NL" smtClean="0"/>
-              <a:t>19-10-2022</a:t>
+              <a:t>8-11-2022</a:t>
             </a:fld>
             <a:endParaRPr lang="nl-NL" dirty="0"/>
           </a:p>
@@ -2203,7 +2203,7 @@
             <a:pPr rtl="0"/>
             <a:fld id="{3779B7A0-8BAF-463A-897D-62B6EB6EE6FE}" type="datetime1">
               <a:rPr lang="nl-NL" smtClean="0"/>
-              <a:t>19-10-2022</a:t>
+              <a:t>8-11-2022</a:t>
             </a:fld>
             <a:endParaRPr lang="nl-NL" dirty="0"/>
           </a:p>
@@ -16185,15 +16185,6 @@
 </file>
 
 <file path=customXml/item1.xml><?xml version="1.0" encoding="utf-8"?>
-<?mso-contentType ?>
-<FormTemplates xmlns="http://schemas.microsoft.com/sharepoint/v3/contenttype/forms">
-  <Display>DocumentLibraryForm</Display>
-  <Edit>DocumentLibraryForm</Edit>
-  <New>DocumentLibraryForm</New>
-</FormTemplates>
-</file>
-
-<file path=customXml/item2.xml><?xml version="1.0" encoding="utf-8"?>
 <p:properties xmlns:p="http://schemas.microsoft.com/office/2006/metadata/properties" xmlns:xsi="http://www.w3.org/2001/XMLSchema-instance" xmlns:pc="http://schemas.microsoft.com/office/infopath/2007/PartnerControls">
   <documentManagement>
     <Status xmlns="71af3243-3dd4-4a8d-8c0d-dd76da1f02a5">Not started</Status>
@@ -16210,6 +16201,15 @@
     <MediaServiceKeyPoints xmlns="71af3243-3dd4-4a8d-8c0d-dd76da1f02a5" xsi:nil="true"/>
   </documentManagement>
 </p:properties>
+</file>
+
+<file path=customXml/item2.xml><?xml version="1.0" encoding="utf-8"?>
+<?mso-contentType ?>
+<FormTemplates xmlns="http://schemas.microsoft.com/sharepoint/v3/contenttype/forms">
+  <Display>DocumentLibraryForm</Display>
+  <Edit>DocumentLibraryForm</Edit>
+  <New>DocumentLibraryForm</New>
+</FormTemplates>
 </file>
 
 <file path=customXml/item3.xml><?xml version="1.0" encoding="utf-8"?>
@@ -16489,14 +16489,6 @@
 </file>
 
 <file path=customXml/itemProps1.xml><?xml version="1.0" encoding="utf-8"?>
-<ds:datastoreItem xmlns:ds="http://schemas.openxmlformats.org/officeDocument/2006/customXml" ds:itemID="{E0931085-857D-42EE-BB55-098E5214A0B1}">
-  <ds:schemaRefs>
-    <ds:schemaRef ds:uri="http://schemas.microsoft.com/sharepoint/v3/contenttype/forms"/>
-  </ds:schemaRefs>
-</ds:datastoreItem>
-</file>
-
-<file path=customXml/itemProps2.xml><?xml version="1.0" encoding="utf-8"?>
 <ds:datastoreItem xmlns:ds="http://schemas.openxmlformats.org/officeDocument/2006/customXml" ds:itemID="{9B95DBB1-7409-45FB-83E1-90451666BE41}">
   <ds:schemaRefs>
     <ds:schemaRef ds:uri="http://schemas.microsoft.com/office/2006/metadata/properties"/>
@@ -16504,6 +16496,14 @@
     <ds:schemaRef ds:uri="71af3243-3dd4-4a8d-8c0d-dd76da1f02a5"/>
     <ds:schemaRef ds:uri="http://schemas.microsoft.com/sharepoint/v3"/>
     <ds:schemaRef ds:uri="230e9df3-be65-4c73-a93b-d1236ebd677e"/>
+  </ds:schemaRefs>
+</ds:datastoreItem>
+</file>
+
+<file path=customXml/itemProps2.xml><?xml version="1.0" encoding="utf-8"?>
+<ds:datastoreItem xmlns:ds="http://schemas.openxmlformats.org/officeDocument/2006/customXml" ds:itemID="{E0931085-857D-42EE-BB55-098E5214A0B1}">
+  <ds:schemaRefs>
+    <ds:schemaRef ds:uri="http://schemas.microsoft.com/sharepoint/v3/contenttype/forms"/>
   </ds:schemaRefs>
 </ds:datastoreItem>
 </file>
